--- a/ppt 16-9/0924.他们走路得时候.pptx
+++ b/ppt 16-9/0924.他们走路得时候.pptx
@@ -129,7 +129,7 @@
           <p:cNvPr id="2" name="标题 1">
             <a:extLst>
               <a:ext uri="{FF2B5EF4-FFF2-40B4-BE49-F238E27FC236}">
-                <a16:creationId xmlns:a16="http://schemas.microsoft.com/office/drawing/2014/main" id="{652018B9-83DF-26F6-B377-6FF8ECC87B66}"/>
+                <a16:creationId xmlns:a16="http://schemas.microsoft.com/office/drawing/2014/main" id="{DEBF6D52-6504-848A-624D-C9DD15D35698}"/>
               </a:ext>
             </a:extLst>
           </p:cNvPr>
@@ -166,7 +166,7 @@
           <p:cNvPr id="3" name="副标题 2">
             <a:extLst>
               <a:ext uri="{FF2B5EF4-FFF2-40B4-BE49-F238E27FC236}">
-                <a16:creationId xmlns:a16="http://schemas.microsoft.com/office/drawing/2014/main" id="{481F8C1B-FCD0-B97D-3B84-C6512CE69D28}"/>
+                <a16:creationId xmlns:a16="http://schemas.microsoft.com/office/drawing/2014/main" id="{1090E7C9-5BBC-81F4-F766-41E9C95DED09}"/>
               </a:ext>
             </a:extLst>
           </p:cNvPr>
@@ -236,7 +236,7 @@
           <p:cNvPr id="4" name="日期占位符 3">
             <a:extLst>
               <a:ext uri="{FF2B5EF4-FFF2-40B4-BE49-F238E27FC236}">
-                <a16:creationId xmlns:a16="http://schemas.microsoft.com/office/drawing/2014/main" id="{C5B34DA5-813C-680D-2580-025C3BE339B1}"/>
+                <a16:creationId xmlns:a16="http://schemas.microsoft.com/office/drawing/2014/main" id="{5E44F094-400F-1775-8179-120709339825}"/>
               </a:ext>
             </a:extLst>
           </p:cNvPr>
@@ -252,7 +252,7 @@
           <a:bodyPr/>
           <a:lstStyle/>
           <a:p>
-            <a:fld id="{1093A830-5C40-4F96-8E8B-1FD071A8DBA8}" type="datetimeFigureOut">
+            <a:fld id="{66828F2F-E1F5-4D71-B088-966AC99AA345}" type="datetimeFigureOut">
               <a:rPr lang="zh-CN" altLang="en-US" smtClean="0"/>
               <a:t>2024/3/10</a:t>
             </a:fld>
@@ -265,7 +265,7 @@
           <p:cNvPr id="5" name="页脚占位符 4">
             <a:extLst>
               <a:ext uri="{FF2B5EF4-FFF2-40B4-BE49-F238E27FC236}">
-                <a16:creationId xmlns:a16="http://schemas.microsoft.com/office/drawing/2014/main" id="{CCB31C04-F848-9F48-1C1A-67DAB16CD2D6}"/>
+                <a16:creationId xmlns:a16="http://schemas.microsoft.com/office/drawing/2014/main" id="{9847A09F-2BD8-8564-3375-13A6710D7725}"/>
               </a:ext>
             </a:extLst>
           </p:cNvPr>
@@ -290,7 +290,7 @@
           <p:cNvPr id="6" name="灯片编号占位符 5">
             <a:extLst>
               <a:ext uri="{FF2B5EF4-FFF2-40B4-BE49-F238E27FC236}">
-                <a16:creationId xmlns:a16="http://schemas.microsoft.com/office/drawing/2014/main" id="{C2C513BE-EB32-0900-0F9F-C8D5120A942B}"/>
+                <a16:creationId xmlns:a16="http://schemas.microsoft.com/office/drawing/2014/main" id="{5C00D8B2-DD10-94FF-1D13-B54DC75DCCE8}"/>
               </a:ext>
             </a:extLst>
           </p:cNvPr>
@@ -306,7 +306,7 @@
           <a:bodyPr/>
           <a:lstStyle/>
           <a:p>
-            <a:fld id="{39416A4D-47F4-45A7-8464-F521BEBF78E0}" type="slidenum">
+            <a:fld id="{143DC409-886B-4330-B4C4-D2F0C8C62FF1}" type="slidenum">
               <a:rPr lang="zh-CN" altLang="en-US" smtClean="0"/>
               <a:t>‹#›</a:t>
             </a:fld>
@@ -317,7 +317,7 @@
     </p:spTree>
     <p:extLst>
       <p:ext uri="{BB962C8B-B14F-4D97-AF65-F5344CB8AC3E}">
-        <p14:creationId xmlns:p14="http://schemas.microsoft.com/office/powerpoint/2010/main" val="3659547574"/>
+        <p14:creationId xmlns:p14="http://schemas.microsoft.com/office/powerpoint/2010/main" val="407956010"/>
       </p:ext>
     </p:extLst>
   </p:cSld>
@@ -349,7 +349,7 @@
           <p:cNvPr id="2" name="标题 1">
             <a:extLst>
               <a:ext uri="{FF2B5EF4-FFF2-40B4-BE49-F238E27FC236}">
-                <a16:creationId xmlns:a16="http://schemas.microsoft.com/office/drawing/2014/main" id="{28930F04-6781-3F5F-B220-B0341A9970F4}"/>
+                <a16:creationId xmlns:a16="http://schemas.microsoft.com/office/drawing/2014/main" id="{38D3E6F8-5143-CFC2-78A8-78B4FB0414A6}"/>
               </a:ext>
             </a:extLst>
           </p:cNvPr>
@@ -377,7 +377,7 @@
           <p:cNvPr id="3" name="竖排文字占位符 2">
             <a:extLst>
               <a:ext uri="{FF2B5EF4-FFF2-40B4-BE49-F238E27FC236}">
-                <a16:creationId xmlns:a16="http://schemas.microsoft.com/office/drawing/2014/main" id="{D1783505-AA39-348A-911B-F0A1EBAF8025}"/>
+                <a16:creationId xmlns:a16="http://schemas.microsoft.com/office/drawing/2014/main" id="{424B2414-41EA-29BD-3AD6-AB9B824D6025}"/>
               </a:ext>
             </a:extLst>
           </p:cNvPr>
@@ -434,7 +434,7 @@
           <p:cNvPr id="4" name="日期占位符 3">
             <a:extLst>
               <a:ext uri="{FF2B5EF4-FFF2-40B4-BE49-F238E27FC236}">
-                <a16:creationId xmlns:a16="http://schemas.microsoft.com/office/drawing/2014/main" id="{FA51B546-5308-6942-C1A8-657A25E33792}"/>
+                <a16:creationId xmlns:a16="http://schemas.microsoft.com/office/drawing/2014/main" id="{FECEFB11-E8B0-689E-3C0B-DFDF4DA3F994}"/>
               </a:ext>
             </a:extLst>
           </p:cNvPr>
@@ -450,7 +450,7 @@
           <a:bodyPr/>
           <a:lstStyle/>
           <a:p>
-            <a:fld id="{1093A830-5C40-4F96-8E8B-1FD071A8DBA8}" type="datetimeFigureOut">
+            <a:fld id="{66828F2F-E1F5-4D71-B088-966AC99AA345}" type="datetimeFigureOut">
               <a:rPr lang="zh-CN" altLang="en-US" smtClean="0"/>
               <a:t>2024/3/10</a:t>
             </a:fld>
@@ -463,7 +463,7 @@
           <p:cNvPr id="5" name="页脚占位符 4">
             <a:extLst>
               <a:ext uri="{FF2B5EF4-FFF2-40B4-BE49-F238E27FC236}">
-                <a16:creationId xmlns:a16="http://schemas.microsoft.com/office/drawing/2014/main" id="{F3C8FB78-12E2-4480-D6C9-994B492828C4}"/>
+                <a16:creationId xmlns:a16="http://schemas.microsoft.com/office/drawing/2014/main" id="{0FDBAF92-C8F9-9CB2-9BA5-80E18BFD1A21}"/>
               </a:ext>
             </a:extLst>
           </p:cNvPr>
@@ -488,7 +488,7 @@
           <p:cNvPr id="6" name="灯片编号占位符 5">
             <a:extLst>
               <a:ext uri="{FF2B5EF4-FFF2-40B4-BE49-F238E27FC236}">
-                <a16:creationId xmlns:a16="http://schemas.microsoft.com/office/drawing/2014/main" id="{E26BF14F-7C00-B071-F1DE-1D952E862C2E}"/>
+                <a16:creationId xmlns:a16="http://schemas.microsoft.com/office/drawing/2014/main" id="{4478D176-CEE4-D977-46B6-E9E72913A81E}"/>
               </a:ext>
             </a:extLst>
           </p:cNvPr>
@@ -504,7 +504,7 @@
           <a:bodyPr/>
           <a:lstStyle/>
           <a:p>
-            <a:fld id="{39416A4D-47F4-45A7-8464-F521BEBF78E0}" type="slidenum">
+            <a:fld id="{143DC409-886B-4330-B4C4-D2F0C8C62FF1}" type="slidenum">
               <a:rPr lang="zh-CN" altLang="en-US" smtClean="0"/>
               <a:t>‹#›</a:t>
             </a:fld>
@@ -515,7 +515,7 @@
     </p:spTree>
     <p:extLst>
       <p:ext uri="{BB962C8B-B14F-4D97-AF65-F5344CB8AC3E}">
-        <p14:creationId xmlns:p14="http://schemas.microsoft.com/office/powerpoint/2010/main" val="1916547171"/>
+        <p14:creationId xmlns:p14="http://schemas.microsoft.com/office/powerpoint/2010/main" val="3308807204"/>
       </p:ext>
     </p:extLst>
   </p:cSld>
@@ -547,7 +547,7 @@
           <p:cNvPr id="2" name="竖排标题 1">
             <a:extLst>
               <a:ext uri="{FF2B5EF4-FFF2-40B4-BE49-F238E27FC236}">
-                <a16:creationId xmlns:a16="http://schemas.microsoft.com/office/drawing/2014/main" id="{B42D4D84-1DEF-F35D-8195-E5FD9F1D2972}"/>
+                <a16:creationId xmlns:a16="http://schemas.microsoft.com/office/drawing/2014/main" id="{A5F785C1-6F68-C21B-CBE6-36135B2611E4}"/>
               </a:ext>
             </a:extLst>
           </p:cNvPr>
@@ -580,7 +580,7 @@
           <p:cNvPr id="3" name="竖排文字占位符 2">
             <a:extLst>
               <a:ext uri="{FF2B5EF4-FFF2-40B4-BE49-F238E27FC236}">
-                <a16:creationId xmlns:a16="http://schemas.microsoft.com/office/drawing/2014/main" id="{D981A3D9-A160-2A2F-00CD-6CAD40B3D1C6}"/>
+                <a16:creationId xmlns:a16="http://schemas.microsoft.com/office/drawing/2014/main" id="{27C7063D-5E5E-47FA-99AB-7B11F5BEBA32}"/>
               </a:ext>
             </a:extLst>
           </p:cNvPr>
@@ -642,7 +642,7 @@
           <p:cNvPr id="4" name="日期占位符 3">
             <a:extLst>
               <a:ext uri="{FF2B5EF4-FFF2-40B4-BE49-F238E27FC236}">
-                <a16:creationId xmlns:a16="http://schemas.microsoft.com/office/drawing/2014/main" id="{9DE79D17-E4EE-CE0A-3722-5734DA45B367}"/>
+                <a16:creationId xmlns:a16="http://schemas.microsoft.com/office/drawing/2014/main" id="{6A61BADA-D834-55DC-64F6-E623DA216FDE}"/>
               </a:ext>
             </a:extLst>
           </p:cNvPr>
@@ -658,7 +658,7 @@
           <a:bodyPr/>
           <a:lstStyle/>
           <a:p>
-            <a:fld id="{1093A830-5C40-4F96-8E8B-1FD071A8DBA8}" type="datetimeFigureOut">
+            <a:fld id="{66828F2F-E1F5-4D71-B088-966AC99AA345}" type="datetimeFigureOut">
               <a:rPr lang="zh-CN" altLang="en-US" smtClean="0"/>
               <a:t>2024/3/10</a:t>
             </a:fld>
@@ -671,7 +671,7 @@
           <p:cNvPr id="5" name="页脚占位符 4">
             <a:extLst>
               <a:ext uri="{FF2B5EF4-FFF2-40B4-BE49-F238E27FC236}">
-                <a16:creationId xmlns:a16="http://schemas.microsoft.com/office/drawing/2014/main" id="{ADA993C1-99C8-F82C-7346-595324D72334}"/>
+                <a16:creationId xmlns:a16="http://schemas.microsoft.com/office/drawing/2014/main" id="{9D439F46-D3DB-BCF8-EC15-7A682FE79415}"/>
               </a:ext>
             </a:extLst>
           </p:cNvPr>
@@ -696,7 +696,7 @@
           <p:cNvPr id="6" name="灯片编号占位符 5">
             <a:extLst>
               <a:ext uri="{FF2B5EF4-FFF2-40B4-BE49-F238E27FC236}">
-                <a16:creationId xmlns:a16="http://schemas.microsoft.com/office/drawing/2014/main" id="{F6C48F64-889C-27B5-56B0-4E14ADB9E237}"/>
+                <a16:creationId xmlns:a16="http://schemas.microsoft.com/office/drawing/2014/main" id="{8B4C191C-1702-F641-D44C-69916B915C83}"/>
               </a:ext>
             </a:extLst>
           </p:cNvPr>
@@ -712,7 +712,7 @@
           <a:bodyPr/>
           <a:lstStyle/>
           <a:p>
-            <a:fld id="{39416A4D-47F4-45A7-8464-F521BEBF78E0}" type="slidenum">
+            <a:fld id="{143DC409-886B-4330-B4C4-D2F0C8C62FF1}" type="slidenum">
               <a:rPr lang="zh-CN" altLang="en-US" smtClean="0"/>
               <a:t>‹#›</a:t>
             </a:fld>
@@ -723,7 +723,7 @@
     </p:spTree>
     <p:extLst>
       <p:ext uri="{BB962C8B-B14F-4D97-AF65-F5344CB8AC3E}">
-        <p14:creationId xmlns:p14="http://schemas.microsoft.com/office/powerpoint/2010/main" val="256129912"/>
+        <p14:creationId xmlns:p14="http://schemas.microsoft.com/office/powerpoint/2010/main" val="1174034818"/>
       </p:ext>
     </p:extLst>
   </p:cSld>
@@ -755,7 +755,7 @@
           <p:cNvPr id="2" name="标题 1">
             <a:extLst>
               <a:ext uri="{FF2B5EF4-FFF2-40B4-BE49-F238E27FC236}">
-                <a16:creationId xmlns:a16="http://schemas.microsoft.com/office/drawing/2014/main" id="{8B666AE6-32A7-BBAB-9441-A939ABA28675}"/>
+                <a16:creationId xmlns:a16="http://schemas.microsoft.com/office/drawing/2014/main" id="{DC09FF3E-7AB9-B242-D65C-DBA385A1F066}"/>
               </a:ext>
             </a:extLst>
           </p:cNvPr>
@@ -783,7 +783,7 @@
           <p:cNvPr id="3" name="内容占位符 2">
             <a:extLst>
               <a:ext uri="{FF2B5EF4-FFF2-40B4-BE49-F238E27FC236}">
-                <a16:creationId xmlns:a16="http://schemas.microsoft.com/office/drawing/2014/main" id="{EBDB1B09-F9A6-58C9-4D63-398ED298B1F7}"/>
+                <a16:creationId xmlns:a16="http://schemas.microsoft.com/office/drawing/2014/main" id="{1B01ADCF-E88A-E642-98CB-54742FCA56CF}"/>
               </a:ext>
             </a:extLst>
           </p:cNvPr>
@@ -840,7 +840,7 @@
           <p:cNvPr id="4" name="日期占位符 3">
             <a:extLst>
               <a:ext uri="{FF2B5EF4-FFF2-40B4-BE49-F238E27FC236}">
-                <a16:creationId xmlns:a16="http://schemas.microsoft.com/office/drawing/2014/main" id="{B4DE4F9F-0E02-CE9C-5BE8-37775216BE8F}"/>
+                <a16:creationId xmlns:a16="http://schemas.microsoft.com/office/drawing/2014/main" id="{3368FB13-2BB9-4FC1-9F06-F4BA425D67B0}"/>
               </a:ext>
             </a:extLst>
           </p:cNvPr>
@@ -856,7 +856,7 @@
           <a:bodyPr/>
           <a:lstStyle/>
           <a:p>
-            <a:fld id="{1093A830-5C40-4F96-8E8B-1FD071A8DBA8}" type="datetimeFigureOut">
+            <a:fld id="{66828F2F-E1F5-4D71-B088-966AC99AA345}" type="datetimeFigureOut">
               <a:rPr lang="zh-CN" altLang="en-US" smtClean="0"/>
               <a:t>2024/3/10</a:t>
             </a:fld>
@@ -869,7 +869,7 @@
           <p:cNvPr id="5" name="页脚占位符 4">
             <a:extLst>
               <a:ext uri="{FF2B5EF4-FFF2-40B4-BE49-F238E27FC236}">
-                <a16:creationId xmlns:a16="http://schemas.microsoft.com/office/drawing/2014/main" id="{55976B3B-3BCD-5719-1AC5-51789EC50533}"/>
+                <a16:creationId xmlns:a16="http://schemas.microsoft.com/office/drawing/2014/main" id="{EC858B09-D185-F4C4-33BA-75E9DE658CB0}"/>
               </a:ext>
             </a:extLst>
           </p:cNvPr>
@@ -894,7 +894,7 @@
           <p:cNvPr id="6" name="灯片编号占位符 5">
             <a:extLst>
               <a:ext uri="{FF2B5EF4-FFF2-40B4-BE49-F238E27FC236}">
-                <a16:creationId xmlns:a16="http://schemas.microsoft.com/office/drawing/2014/main" id="{5A661C48-711A-FFB3-A662-833E795CA22C}"/>
+                <a16:creationId xmlns:a16="http://schemas.microsoft.com/office/drawing/2014/main" id="{0A7BF177-403C-3119-9A60-E700A52F82F5}"/>
               </a:ext>
             </a:extLst>
           </p:cNvPr>
@@ -910,7 +910,7 @@
           <a:bodyPr/>
           <a:lstStyle/>
           <a:p>
-            <a:fld id="{39416A4D-47F4-45A7-8464-F521BEBF78E0}" type="slidenum">
+            <a:fld id="{143DC409-886B-4330-B4C4-D2F0C8C62FF1}" type="slidenum">
               <a:rPr lang="zh-CN" altLang="en-US" smtClean="0"/>
               <a:t>‹#›</a:t>
             </a:fld>
@@ -921,7 +921,7 @@
     </p:spTree>
     <p:extLst>
       <p:ext uri="{BB962C8B-B14F-4D97-AF65-F5344CB8AC3E}">
-        <p14:creationId xmlns:p14="http://schemas.microsoft.com/office/powerpoint/2010/main" val="3668519830"/>
+        <p14:creationId xmlns:p14="http://schemas.microsoft.com/office/powerpoint/2010/main" val="3909825756"/>
       </p:ext>
     </p:extLst>
   </p:cSld>
@@ -953,7 +953,7 @@
           <p:cNvPr id="2" name="标题 1">
             <a:extLst>
               <a:ext uri="{FF2B5EF4-FFF2-40B4-BE49-F238E27FC236}">
-                <a16:creationId xmlns:a16="http://schemas.microsoft.com/office/drawing/2014/main" id="{EAA09DE3-C285-3F81-8D58-D89F445EE02D}"/>
+                <a16:creationId xmlns:a16="http://schemas.microsoft.com/office/drawing/2014/main" id="{3BBC79A7-5ADA-C860-B90F-82EC9A583C77}"/>
               </a:ext>
             </a:extLst>
           </p:cNvPr>
@@ -990,7 +990,7 @@
           <p:cNvPr id="3" name="文本占位符 2">
             <a:extLst>
               <a:ext uri="{FF2B5EF4-FFF2-40B4-BE49-F238E27FC236}">
-                <a16:creationId xmlns:a16="http://schemas.microsoft.com/office/drawing/2014/main" id="{2FE5C84D-D729-E9C9-0646-9A40E04E5364}"/>
+                <a16:creationId xmlns:a16="http://schemas.microsoft.com/office/drawing/2014/main" id="{9AF4460B-37DE-E714-054C-DAC7FC965B32}"/>
               </a:ext>
             </a:extLst>
           </p:cNvPr>
@@ -1115,7 +1115,7 @@
           <p:cNvPr id="4" name="日期占位符 3">
             <a:extLst>
               <a:ext uri="{FF2B5EF4-FFF2-40B4-BE49-F238E27FC236}">
-                <a16:creationId xmlns:a16="http://schemas.microsoft.com/office/drawing/2014/main" id="{44A214D2-3626-1612-F36F-690E13EADE7D}"/>
+                <a16:creationId xmlns:a16="http://schemas.microsoft.com/office/drawing/2014/main" id="{14BCEB90-92B8-4619-20BF-09A627544E90}"/>
               </a:ext>
             </a:extLst>
           </p:cNvPr>
@@ -1131,7 +1131,7 @@
           <a:bodyPr/>
           <a:lstStyle/>
           <a:p>
-            <a:fld id="{1093A830-5C40-4F96-8E8B-1FD071A8DBA8}" type="datetimeFigureOut">
+            <a:fld id="{66828F2F-E1F5-4D71-B088-966AC99AA345}" type="datetimeFigureOut">
               <a:rPr lang="zh-CN" altLang="en-US" smtClean="0"/>
               <a:t>2024/3/10</a:t>
             </a:fld>
@@ -1144,7 +1144,7 @@
           <p:cNvPr id="5" name="页脚占位符 4">
             <a:extLst>
               <a:ext uri="{FF2B5EF4-FFF2-40B4-BE49-F238E27FC236}">
-                <a16:creationId xmlns:a16="http://schemas.microsoft.com/office/drawing/2014/main" id="{02FE450D-5101-2872-0997-6F6971873472}"/>
+                <a16:creationId xmlns:a16="http://schemas.microsoft.com/office/drawing/2014/main" id="{FCB17709-1D45-2A91-BA2F-3F85E825BA01}"/>
               </a:ext>
             </a:extLst>
           </p:cNvPr>
@@ -1169,7 +1169,7 @@
           <p:cNvPr id="6" name="灯片编号占位符 5">
             <a:extLst>
               <a:ext uri="{FF2B5EF4-FFF2-40B4-BE49-F238E27FC236}">
-                <a16:creationId xmlns:a16="http://schemas.microsoft.com/office/drawing/2014/main" id="{1A85050F-2759-4095-C7A1-152DC8C57CB9}"/>
+                <a16:creationId xmlns:a16="http://schemas.microsoft.com/office/drawing/2014/main" id="{3E79AD4C-92FE-D776-554F-6FCA66974E67}"/>
               </a:ext>
             </a:extLst>
           </p:cNvPr>
@@ -1185,7 +1185,7 @@
           <a:bodyPr/>
           <a:lstStyle/>
           <a:p>
-            <a:fld id="{39416A4D-47F4-45A7-8464-F521BEBF78E0}" type="slidenum">
+            <a:fld id="{143DC409-886B-4330-B4C4-D2F0C8C62FF1}" type="slidenum">
               <a:rPr lang="zh-CN" altLang="en-US" smtClean="0"/>
               <a:t>‹#›</a:t>
             </a:fld>
@@ -1196,7 +1196,7 @@
     </p:spTree>
     <p:extLst>
       <p:ext uri="{BB962C8B-B14F-4D97-AF65-F5344CB8AC3E}">
-        <p14:creationId xmlns:p14="http://schemas.microsoft.com/office/powerpoint/2010/main" val="1191295590"/>
+        <p14:creationId xmlns:p14="http://schemas.microsoft.com/office/powerpoint/2010/main" val="651074564"/>
       </p:ext>
     </p:extLst>
   </p:cSld>
@@ -1228,7 +1228,7 @@
           <p:cNvPr id="2" name="标题 1">
             <a:extLst>
               <a:ext uri="{FF2B5EF4-FFF2-40B4-BE49-F238E27FC236}">
-                <a16:creationId xmlns:a16="http://schemas.microsoft.com/office/drawing/2014/main" id="{8B3090BF-98A0-9BEF-BCA7-8507F8C336C8}"/>
+                <a16:creationId xmlns:a16="http://schemas.microsoft.com/office/drawing/2014/main" id="{B3319A99-AD98-4B2B-0C96-1D43F17C6C5D}"/>
               </a:ext>
             </a:extLst>
           </p:cNvPr>
@@ -1256,7 +1256,7 @@
           <p:cNvPr id="3" name="内容占位符 2">
             <a:extLst>
               <a:ext uri="{FF2B5EF4-FFF2-40B4-BE49-F238E27FC236}">
-                <a16:creationId xmlns:a16="http://schemas.microsoft.com/office/drawing/2014/main" id="{87A103E5-AD17-BA94-8841-FD2B683616AE}"/>
+                <a16:creationId xmlns:a16="http://schemas.microsoft.com/office/drawing/2014/main" id="{C8F5A2EF-E329-AC6D-0FE4-70C1299D75FF}"/>
               </a:ext>
             </a:extLst>
           </p:cNvPr>
@@ -1318,7 +1318,7 @@
           <p:cNvPr id="4" name="内容占位符 3">
             <a:extLst>
               <a:ext uri="{FF2B5EF4-FFF2-40B4-BE49-F238E27FC236}">
-                <a16:creationId xmlns:a16="http://schemas.microsoft.com/office/drawing/2014/main" id="{D13E981A-73B8-8F38-3DBA-1A39F82A5F04}"/>
+                <a16:creationId xmlns:a16="http://schemas.microsoft.com/office/drawing/2014/main" id="{D3C03A26-48F3-2B40-20A9-B375D359ACB3}"/>
               </a:ext>
             </a:extLst>
           </p:cNvPr>
@@ -1380,7 +1380,7 @@
           <p:cNvPr id="5" name="日期占位符 4">
             <a:extLst>
               <a:ext uri="{FF2B5EF4-FFF2-40B4-BE49-F238E27FC236}">
-                <a16:creationId xmlns:a16="http://schemas.microsoft.com/office/drawing/2014/main" id="{34FB0260-EF7D-43A4-E03C-87F9F0EE6D9E}"/>
+                <a16:creationId xmlns:a16="http://schemas.microsoft.com/office/drawing/2014/main" id="{40E670BF-6EE8-8C02-CC72-D9144F6B0A1A}"/>
               </a:ext>
             </a:extLst>
           </p:cNvPr>
@@ -1396,7 +1396,7 @@
           <a:bodyPr/>
           <a:lstStyle/>
           <a:p>
-            <a:fld id="{1093A830-5C40-4F96-8E8B-1FD071A8DBA8}" type="datetimeFigureOut">
+            <a:fld id="{66828F2F-E1F5-4D71-B088-966AC99AA345}" type="datetimeFigureOut">
               <a:rPr lang="zh-CN" altLang="en-US" smtClean="0"/>
               <a:t>2024/3/10</a:t>
             </a:fld>
@@ -1409,7 +1409,7 @@
           <p:cNvPr id="6" name="页脚占位符 5">
             <a:extLst>
               <a:ext uri="{FF2B5EF4-FFF2-40B4-BE49-F238E27FC236}">
-                <a16:creationId xmlns:a16="http://schemas.microsoft.com/office/drawing/2014/main" id="{19D797DE-7356-94D6-39BA-18747EE8DCD1}"/>
+                <a16:creationId xmlns:a16="http://schemas.microsoft.com/office/drawing/2014/main" id="{BB420A5C-713D-B8EB-D3AC-F0F8B0AEE677}"/>
               </a:ext>
             </a:extLst>
           </p:cNvPr>
@@ -1434,7 +1434,7 @@
           <p:cNvPr id="7" name="灯片编号占位符 6">
             <a:extLst>
               <a:ext uri="{FF2B5EF4-FFF2-40B4-BE49-F238E27FC236}">
-                <a16:creationId xmlns:a16="http://schemas.microsoft.com/office/drawing/2014/main" id="{91079328-B1CA-6BD6-F018-42C99563192A}"/>
+                <a16:creationId xmlns:a16="http://schemas.microsoft.com/office/drawing/2014/main" id="{87F150D6-BD3B-26FA-316A-B71FF85BAA05}"/>
               </a:ext>
             </a:extLst>
           </p:cNvPr>
@@ -1450,7 +1450,7 @@
           <a:bodyPr/>
           <a:lstStyle/>
           <a:p>
-            <a:fld id="{39416A4D-47F4-45A7-8464-F521BEBF78E0}" type="slidenum">
+            <a:fld id="{143DC409-886B-4330-B4C4-D2F0C8C62FF1}" type="slidenum">
               <a:rPr lang="zh-CN" altLang="en-US" smtClean="0"/>
               <a:t>‹#›</a:t>
             </a:fld>
@@ -1461,7 +1461,7 @@
     </p:spTree>
     <p:extLst>
       <p:ext uri="{BB962C8B-B14F-4D97-AF65-F5344CB8AC3E}">
-        <p14:creationId xmlns:p14="http://schemas.microsoft.com/office/powerpoint/2010/main" val="2086832412"/>
+        <p14:creationId xmlns:p14="http://schemas.microsoft.com/office/powerpoint/2010/main" val="3819030272"/>
       </p:ext>
     </p:extLst>
   </p:cSld>
@@ -1493,7 +1493,7 @@
           <p:cNvPr id="2" name="标题 1">
             <a:extLst>
               <a:ext uri="{FF2B5EF4-FFF2-40B4-BE49-F238E27FC236}">
-                <a16:creationId xmlns:a16="http://schemas.microsoft.com/office/drawing/2014/main" id="{F748F170-C52A-07E7-020D-9746D69CE929}"/>
+                <a16:creationId xmlns:a16="http://schemas.microsoft.com/office/drawing/2014/main" id="{DDD35FE9-1CEC-067C-D0DF-03E2B07C5226}"/>
               </a:ext>
             </a:extLst>
           </p:cNvPr>
@@ -1526,7 +1526,7 @@
           <p:cNvPr id="3" name="文本占位符 2">
             <a:extLst>
               <a:ext uri="{FF2B5EF4-FFF2-40B4-BE49-F238E27FC236}">
-                <a16:creationId xmlns:a16="http://schemas.microsoft.com/office/drawing/2014/main" id="{9067E21A-E1F8-7378-6E39-1193AF2C8183}"/>
+                <a16:creationId xmlns:a16="http://schemas.microsoft.com/office/drawing/2014/main" id="{CC679AC9-0A53-B3CA-24DF-F645EE684D7A}"/>
               </a:ext>
             </a:extLst>
           </p:cNvPr>
@@ -1597,7 +1597,7 @@
           <p:cNvPr id="4" name="内容占位符 3">
             <a:extLst>
               <a:ext uri="{FF2B5EF4-FFF2-40B4-BE49-F238E27FC236}">
-                <a16:creationId xmlns:a16="http://schemas.microsoft.com/office/drawing/2014/main" id="{FE2B653F-2369-F02F-3914-120169C6D1B6}"/>
+                <a16:creationId xmlns:a16="http://schemas.microsoft.com/office/drawing/2014/main" id="{039FAB2B-0EA1-DE06-D24F-29C912BC1F40}"/>
               </a:ext>
             </a:extLst>
           </p:cNvPr>
@@ -1659,7 +1659,7 @@
           <p:cNvPr id="5" name="文本占位符 4">
             <a:extLst>
               <a:ext uri="{FF2B5EF4-FFF2-40B4-BE49-F238E27FC236}">
-                <a16:creationId xmlns:a16="http://schemas.microsoft.com/office/drawing/2014/main" id="{80352A58-2C45-1C1D-18B9-1DFCB05ED8DC}"/>
+                <a16:creationId xmlns:a16="http://schemas.microsoft.com/office/drawing/2014/main" id="{D8787F97-556F-005B-1047-B841D727E37A}"/>
               </a:ext>
             </a:extLst>
           </p:cNvPr>
@@ -1730,7 +1730,7 @@
           <p:cNvPr id="6" name="内容占位符 5">
             <a:extLst>
               <a:ext uri="{FF2B5EF4-FFF2-40B4-BE49-F238E27FC236}">
-                <a16:creationId xmlns:a16="http://schemas.microsoft.com/office/drawing/2014/main" id="{0A2BAE1B-0D77-87FC-F8C6-CC91E7C05784}"/>
+                <a16:creationId xmlns:a16="http://schemas.microsoft.com/office/drawing/2014/main" id="{9A513594-0C09-2992-3469-E82322B0D4F6}"/>
               </a:ext>
             </a:extLst>
           </p:cNvPr>
@@ -1792,7 +1792,7 @@
           <p:cNvPr id="7" name="日期占位符 6">
             <a:extLst>
               <a:ext uri="{FF2B5EF4-FFF2-40B4-BE49-F238E27FC236}">
-                <a16:creationId xmlns:a16="http://schemas.microsoft.com/office/drawing/2014/main" id="{BD03165F-B364-4EBA-D772-3C0984AD7C12}"/>
+                <a16:creationId xmlns:a16="http://schemas.microsoft.com/office/drawing/2014/main" id="{EFB7C1BA-4082-EC10-DEEC-EE654C692EBE}"/>
               </a:ext>
             </a:extLst>
           </p:cNvPr>
@@ -1808,7 +1808,7 @@
           <a:bodyPr/>
           <a:lstStyle/>
           <a:p>
-            <a:fld id="{1093A830-5C40-4F96-8E8B-1FD071A8DBA8}" type="datetimeFigureOut">
+            <a:fld id="{66828F2F-E1F5-4D71-B088-966AC99AA345}" type="datetimeFigureOut">
               <a:rPr lang="zh-CN" altLang="en-US" smtClean="0"/>
               <a:t>2024/3/10</a:t>
             </a:fld>
@@ -1821,7 +1821,7 @@
           <p:cNvPr id="8" name="页脚占位符 7">
             <a:extLst>
               <a:ext uri="{FF2B5EF4-FFF2-40B4-BE49-F238E27FC236}">
-                <a16:creationId xmlns:a16="http://schemas.microsoft.com/office/drawing/2014/main" id="{D4620744-D0A6-7BD9-6023-8268A1171E03}"/>
+                <a16:creationId xmlns:a16="http://schemas.microsoft.com/office/drawing/2014/main" id="{F421A778-3DDC-B607-8982-73D361C90AF4}"/>
               </a:ext>
             </a:extLst>
           </p:cNvPr>
@@ -1846,7 +1846,7 @@
           <p:cNvPr id="9" name="灯片编号占位符 8">
             <a:extLst>
               <a:ext uri="{FF2B5EF4-FFF2-40B4-BE49-F238E27FC236}">
-                <a16:creationId xmlns:a16="http://schemas.microsoft.com/office/drawing/2014/main" id="{2D376A87-EDF3-322F-6E9F-A7ACA25E8323}"/>
+                <a16:creationId xmlns:a16="http://schemas.microsoft.com/office/drawing/2014/main" id="{9F7193F1-0808-69AC-37D4-093004218EC7}"/>
               </a:ext>
             </a:extLst>
           </p:cNvPr>
@@ -1862,7 +1862,7 @@
           <a:bodyPr/>
           <a:lstStyle/>
           <a:p>
-            <a:fld id="{39416A4D-47F4-45A7-8464-F521BEBF78E0}" type="slidenum">
+            <a:fld id="{143DC409-886B-4330-B4C4-D2F0C8C62FF1}" type="slidenum">
               <a:rPr lang="zh-CN" altLang="en-US" smtClean="0"/>
               <a:t>‹#›</a:t>
             </a:fld>
@@ -1873,7 +1873,7 @@
     </p:spTree>
     <p:extLst>
       <p:ext uri="{BB962C8B-B14F-4D97-AF65-F5344CB8AC3E}">
-        <p14:creationId xmlns:p14="http://schemas.microsoft.com/office/powerpoint/2010/main" val="3584247963"/>
+        <p14:creationId xmlns:p14="http://schemas.microsoft.com/office/powerpoint/2010/main" val="677613768"/>
       </p:ext>
     </p:extLst>
   </p:cSld>
@@ -1905,7 +1905,7 @@
           <p:cNvPr id="2" name="标题 1">
             <a:extLst>
               <a:ext uri="{FF2B5EF4-FFF2-40B4-BE49-F238E27FC236}">
-                <a16:creationId xmlns:a16="http://schemas.microsoft.com/office/drawing/2014/main" id="{147D041F-D29D-8ED5-B0EE-410E3786E156}"/>
+                <a16:creationId xmlns:a16="http://schemas.microsoft.com/office/drawing/2014/main" id="{6C38212E-9CF9-C0BD-4D91-CAE7DED03CBB}"/>
               </a:ext>
             </a:extLst>
           </p:cNvPr>
@@ -1933,7 +1933,7 @@
           <p:cNvPr id="3" name="日期占位符 2">
             <a:extLst>
               <a:ext uri="{FF2B5EF4-FFF2-40B4-BE49-F238E27FC236}">
-                <a16:creationId xmlns:a16="http://schemas.microsoft.com/office/drawing/2014/main" id="{FCEF19E3-FE20-71E3-B0DF-F0CF155721F5}"/>
+                <a16:creationId xmlns:a16="http://schemas.microsoft.com/office/drawing/2014/main" id="{90BE0634-8F2F-A49E-28FD-FE256D46298C}"/>
               </a:ext>
             </a:extLst>
           </p:cNvPr>
@@ -1949,7 +1949,7 @@
           <a:bodyPr/>
           <a:lstStyle/>
           <a:p>
-            <a:fld id="{1093A830-5C40-4F96-8E8B-1FD071A8DBA8}" type="datetimeFigureOut">
+            <a:fld id="{66828F2F-E1F5-4D71-B088-966AC99AA345}" type="datetimeFigureOut">
               <a:rPr lang="zh-CN" altLang="en-US" smtClean="0"/>
               <a:t>2024/3/10</a:t>
             </a:fld>
@@ -1962,7 +1962,7 @@
           <p:cNvPr id="4" name="页脚占位符 3">
             <a:extLst>
               <a:ext uri="{FF2B5EF4-FFF2-40B4-BE49-F238E27FC236}">
-                <a16:creationId xmlns:a16="http://schemas.microsoft.com/office/drawing/2014/main" id="{DC6FB8C0-1A98-8E66-A473-47E007726ADF}"/>
+                <a16:creationId xmlns:a16="http://schemas.microsoft.com/office/drawing/2014/main" id="{E7D08AD3-2DC3-35C7-DDED-1B5041822A2A}"/>
               </a:ext>
             </a:extLst>
           </p:cNvPr>
@@ -1987,7 +1987,7 @@
           <p:cNvPr id="5" name="灯片编号占位符 4">
             <a:extLst>
               <a:ext uri="{FF2B5EF4-FFF2-40B4-BE49-F238E27FC236}">
-                <a16:creationId xmlns:a16="http://schemas.microsoft.com/office/drawing/2014/main" id="{A85A2C18-DEA4-67D1-A8C4-F0222ADEF35F}"/>
+                <a16:creationId xmlns:a16="http://schemas.microsoft.com/office/drawing/2014/main" id="{91655AED-5F76-6C70-CDD3-DD698C9EC68B}"/>
               </a:ext>
             </a:extLst>
           </p:cNvPr>
@@ -2003,7 +2003,7 @@
           <a:bodyPr/>
           <a:lstStyle/>
           <a:p>
-            <a:fld id="{39416A4D-47F4-45A7-8464-F521BEBF78E0}" type="slidenum">
+            <a:fld id="{143DC409-886B-4330-B4C4-D2F0C8C62FF1}" type="slidenum">
               <a:rPr lang="zh-CN" altLang="en-US" smtClean="0"/>
               <a:t>‹#›</a:t>
             </a:fld>
@@ -2014,7 +2014,7 @@
     </p:spTree>
     <p:extLst>
       <p:ext uri="{BB962C8B-B14F-4D97-AF65-F5344CB8AC3E}">
-        <p14:creationId xmlns:p14="http://schemas.microsoft.com/office/powerpoint/2010/main" val="1625970703"/>
+        <p14:creationId xmlns:p14="http://schemas.microsoft.com/office/powerpoint/2010/main" val="2377063716"/>
       </p:ext>
     </p:extLst>
   </p:cSld>
@@ -2046,7 +2046,7 @@
           <p:cNvPr id="2" name="日期占位符 1">
             <a:extLst>
               <a:ext uri="{FF2B5EF4-FFF2-40B4-BE49-F238E27FC236}">
-                <a16:creationId xmlns:a16="http://schemas.microsoft.com/office/drawing/2014/main" id="{EDC5E978-CC9C-FFF9-6B26-F53A1C37F6E2}"/>
+                <a16:creationId xmlns:a16="http://schemas.microsoft.com/office/drawing/2014/main" id="{7056F277-878E-7D2F-5EFB-9C8B5C3B9848}"/>
               </a:ext>
             </a:extLst>
           </p:cNvPr>
@@ -2062,7 +2062,7 @@
           <a:bodyPr/>
           <a:lstStyle/>
           <a:p>
-            <a:fld id="{1093A830-5C40-4F96-8E8B-1FD071A8DBA8}" type="datetimeFigureOut">
+            <a:fld id="{66828F2F-E1F5-4D71-B088-966AC99AA345}" type="datetimeFigureOut">
               <a:rPr lang="zh-CN" altLang="en-US" smtClean="0"/>
               <a:t>2024/3/10</a:t>
             </a:fld>
@@ -2075,7 +2075,7 @@
           <p:cNvPr id="3" name="页脚占位符 2">
             <a:extLst>
               <a:ext uri="{FF2B5EF4-FFF2-40B4-BE49-F238E27FC236}">
-                <a16:creationId xmlns:a16="http://schemas.microsoft.com/office/drawing/2014/main" id="{FAA54BCC-0366-BE10-B4A4-71D87C441D75}"/>
+                <a16:creationId xmlns:a16="http://schemas.microsoft.com/office/drawing/2014/main" id="{1F3821AE-559C-AC29-A664-7EC376853EAD}"/>
               </a:ext>
             </a:extLst>
           </p:cNvPr>
@@ -2100,7 +2100,7 @@
           <p:cNvPr id="4" name="灯片编号占位符 3">
             <a:extLst>
               <a:ext uri="{FF2B5EF4-FFF2-40B4-BE49-F238E27FC236}">
-                <a16:creationId xmlns:a16="http://schemas.microsoft.com/office/drawing/2014/main" id="{F69AC650-B650-2E37-A0BD-4458F11F3C6D}"/>
+                <a16:creationId xmlns:a16="http://schemas.microsoft.com/office/drawing/2014/main" id="{A5159963-04E0-9505-6F13-D1808BE03A59}"/>
               </a:ext>
             </a:extLst>
           </p:cNvPr>
@@ -2116,7 +2116,7 @@
           <a:bodyPr/>
           <a:lstStyle/>
           <a:p>
-            <a:fld id="{39416A4D-47F4-45A7-8464-F521BEBF78E0}" type="slidenum">
+            <a:fld id="{143DC409-886B-4330-B4C4-D2F0C8C62FF1}" type="slidenum">
               <a:rPr lang="zh-CN" altLang="en-US" smtClean="0"/>
               <a:t>‹#›</a:t>
             </a:fld>
@@ -2127,7 +2127,7 @@
     </p:spTree>
     <p:extLst>
       <p:ext uri="{BB962C8B-B14F-4D97-AF65-F5344CB8AC3E}">
-        <p14:creationId xmlns:p14="http://schemas.microsoft.com/office/powerpoint/2010/main" val="2543153970"/>
+        <p14:creationId xmlns:p14="http://schemas.microsoft.com/office/powerpoint/2010/main" val="2241777848"/>
       </p:ext>
     </p:extLst>
   </p:cSld>
@@ -2159,7 +2159,7 @@
           <p:cNvPr id="2" name="标题 1">
             <a:extLst>
               <a:ext uri="{FF2B5EF4-FFF2-40B4-BE49-F238E27FC236}">
-                <a16:creationId xmlns:a16="http://schemas.microsoft.com/office/drawing/2014/main" id="{00763F76-FB6F-572D-4A1E-52829A1823F4}"/>
+                <a16:creationId xmlns:a16="http://schemas.microsoft.com/office/drawing/2014/main" id="{9C4D6918-5961-EDF2-E129-34403B8EEAE0}"/>
               </a:ext>
             </a:extLst>
           </p:cNvPr>
@@ -2196,7 +2196,7 @@
           <p:cNvPr id="3" name="内容占位符 2">
             <a:extLst>
               <a:ext uri="{FF2B5EF4-FFF2-40B4-BE49-F238E27FC236}">
-                <a16:creationId xmlns:a16="http://schemas.microsoft.com/office/drawing/2014/main" id="{B7D4B3FA-BA94-442C-F186-E0D720591486}"/>
+                <a16:creationId xmlns:a16="http://schemas.microsoft.com/office/drawing/2014/main" id="{92E8CC7B-AC6D-6D5B-F9AD-B0E6DBEB677C}"/>
               </a:ext>
             </a:extLst>
           </p:cNvPr>
@@ -2286,7 +2286,7 @@
           <p:cNvPr id="4" name="文本占位符 3">
             <a:extLst>
               <a:ext uri="{FF2B5EF4-FFF2-40B4-BE49-F238E27FC236}">
-                <a16:creationId xmlns:a16="http://schemas.microsoft.com/office/drawing/2014/main" id="{6259B045-A481-5288-EE04-395ECE0C3E1F}"/>
+                <a16:creationId xmlns:a16="http://schemas.microsoft.com/office/drawing/2014/main" id="{918879E9-4F32-50EE-FFD2-12992F1D4BBB}"/>
               </a:ext>
             </a:extLst>
           </p:cNvPr>
@@ -2357,7 +2357,7 @@
           <p:cNvPr id="5" name="日期占位符 4">
             <a:extLst>
               <a:ext uri="{FF2B5EF4-FFF2-40B4-BE49-F238E27FC236}">
-                <a16:creationId xmlns:a16="http://schemas.microsoft.com/office/drawing/2014/main" id="{A5247BF2-773A-F0D1-B22D-B87F4B76D566}"/>
+                <a16:creationId xmlns:a16="http://schemas.microsoft.com/office/drawing/2014/main" id="{EE28AFDF-452D-4975-3866-4E9031DB5A3A}"/>
               </a:ext>
             </a:extLst>
           </p:cNvPr>
@@ -2373,7 +2373,7 @@
           <a:bodyPr/>
           <a:lstStyle/>
           <a:p>
-            <a:fld id="{1093A830-5C40-4F96-8E8B-1FD071A8DBA8}" type="datetimeFigureOut">
+            <a:fld id="{66828F2F-E1F5-4D71-B088-966AC99AA345}" type="datetimeFigureOut">
               <a:rPr lang="zh-CN" altLang="en-US" smtClean="0"/>
               <a:t>2024/3/10</a:t>
             </a:fld>
@@ -2386,7 +2386,7 @@
           <p:cNvPr id="6" name="页脚占位符 5">
             <a:extLst>
               <a:ext uri="{FF2B5EF4-FFF2-40B4-BE49-F238E27FC236}">
-                <a16:creationId xmlns:a16="http://schemas.microsoft.com/office/drawing/2014/main" id="{3DB6BC05-707F-E467-D14E-6891CF99CA16}"/>
+                <a16:creationId xmlns:a16="http://schemas.microsoft.com/office/drawing/2014/main" id="{A0FB0A97-CBDA-8972-B99D-D0B62BB4DEA6}"/>
               </a:ext>
             </a:extLst>
           </p:cNvPr>
@@ -2411,7 +2411,7 @@
           <p:cNvPr id="7" name="灯片编号占位符 6">
             <a:extLst>
               <a:ext uri="{FF2B5EF4-FFF2-40B4-BE49-F238E27FC236}">
-                <a16:creationId xmlns:a16="http://schemas.microsoft.com/office/drawing/2014/main" id="{5E638089-6AA8-4AF9-A015-67D56222B838}"/>
+                <a16:creationId xmlns:a16="http://schemas.microsoft.com/office/drawing/2014/main" id="{49B58861-AF7C-C057-26BC-BDD59694912A}"/>
               </a:ext>
             </a:extLst>
           </p:cNvPr>
@@ -2427,7 +2427,7 @@
           <a:bodyPr/>
           <a:lstStyle/>
           <a:p>
-            <a:fld id="{39416A4D-47F4-45A7-8464-F521BEBF78E0}" type="slidenum">
+            <a:fld id="{143DC409-886B-4330-B4C4-D2F0C8C62FF1}" type="slidenum">
               <a:rPr lang="zh-CN" altLang="en-US" smtClean="0"/>
               <a:t>‹#›</a:t>
             </a:fld>
@@ -2438,7 +2438,7 @@
     </p:spTree>
     <p:extLst>
       <p:ext uri="{BB962C8B-B14F-4D97-AF65-F5344CB8AC3E}">
-        <p14:creationId xmlns:p14="http://schemas.microsoft.com/office/powerpoint/2010/main" val="2395273578"/>
+        <p14:creationId xmlns:p14="http://schemas.microsoft.com/office/powerpoint/2010/main" val="233336876"/>
       </p:ext>
     </p:extLst>
   </p:cSld>
@@ -2470,7 +2470,7 @@
           <p:cNvPr id="2" name="标题 1">
             <a:extLst>
               <a:ext uri="{FF2B5EF4-FFF2-40B4-BE49-F238E27FC236}">
-                <a16:creationId xmlns:a16="http://schemas.microsoft.com/office/drawing/2014/main" id="{53D7F511-8C7C-2ECA-8A08-C68FC74B0720}"/>
+                <a16:creationId xmlns:a16="http://schemas.microsoft.com/office/drawing/2014/main" id="{1FB47F6E-9818-1DF7-4CEC-6FD4A46CDCA1}"/>
               </a:ext>
             </a:extLst>
           </p:cNvPr>
@@ -2507,7 +2507,7 @@
           <p:cNvPr id="3" name="图片占位符 2">
             <a:extLst>
               <a:ext uri="{FF2B5EF4-FFF2-40B4-BE49-F238E27FC236}">
-                <a16:creationId xmlns:a16="http://schemas.microsoft.com/office/drawing/2014/main" id="{AFC2AA27-2BDF-CA4F-3CBE-F2B2C9ADADE9}"/>
+                <a16:creationId xmlns:a16="http://schemas.microsoft.com/office/drawing/2014/main" id="{40A2A34C-CA82-CC8D-A281-FCA967620042}"/>
               </a:ext>
             </a:extLst>
           </p:cNvPr>
@@ -2574,7 +2574,7 @@
           <p:cNvPr id="4" name="文本占位符 3">
             <a:extLst>
               <a:ext uri="{FF2B5EF4-FFF2-40B4-BE49-F238E27FC236}">
-                <a16:creationId xmlns:a16="http://schemas.microsoft.com/office/drawing/2014/main" id="{33EFFD2F-DBB2-363E-A79C-4EFBE35F2AC3}"/>
+                <a16:creationId xmlns:a16="http://schemas.microsoft.com/office/drawing/2014/main" id="{5D1CCC7E-5C8A-268C-B723-0EB5BC24F1D4}"/>
               </a:ext>
             </a:extLst>
           </p:cNvPr>
@@ -2645,7 +2645,7 @@
           <p:cNvPr id="5" name="日期占位符 4">
             <a:extLst>
               <a:ext uri="{FF2B5EF4-FFF2-40B4-BE49-F238E27FC236}">
-                <a16:creationId xmlns:a16="http://schemas.microsoft.com/office/drawing/2014/main" id="{880ADA84-A2F7-76C3-EB70-058A444617C4}"/>
+                <a16:creationId xmlns:a16="http://schemas.microsoft.com/office/drawing/2014/main" id="{DF0B3A71-48BA-BBF1-3D78-CC23840399B1}"/>
               </a:ext>
             </a:extLst>
           </p:cNvPr>
@@ -2661,7 +2661,7 @@
           <a:bodyPr/>
           <a:lstStyle/>
           <a:p>
-            <a:fld id="{1093A830-5C40-4F96-8E8B-1FD071A8DBA8}" type="datetimeFigureOut">
+            <a:fld id="{66828F2F-E1F5-4D71-B088-966AC99AA345}" type="datetimeFigureOut">
               <a:rPr lang="zh-CN" altLang="en-US" smtClean="0"/>
               <a:t>2024/3/10</a:t>
             </a:fld>
@@ -2674,7 +2674,7 @@
           <p:cNvPr id="6" name="页脚占位符 5">
             <a:extLst>
               <a:ext uri="{FF2B5EF4-FFF2-40B4-BE49-F238E27FC236}">
-                <a16:creationId xmlns:a16="http://schemas.microsoft.com/office/drawing/2014/main" id="{D9B75003-475F-908A-C1F0-1C64E28A0E66}"/>
+                <a16:creationId xmlns:a16="http://schemas.microsoft.com/office/drawing/2014/main" id="{5482C486-38A2-AF15-85D9-CFDDDF3C2A65}"/>
               </a:ext>
             </a:extLst>
           </p:cNvPr>
@@ -2699,7 +2699,7 @@
           <p:cNvPr id="7" name="灯片编号占位符 6">
             <a:extLst>
               <a:ext uri="{FF2B5EF4-FFF2-40B4-BE49-F238E27FC236}">
-                <a16:creationId xmlns:a16="http://schemas.microsoft.com/office/drawing/2014/main" id="{28F8766B-2614-717A-29B4-331ECDB6CF73}"/>
+                <a16:creationId xmlns:a16="http://schemas.microsoft.com/office/drawing/2014/main" id="{2D112D11-CCC3-D25B-B2F1-61ACD2FC3D0C}"/>
               </a:ext>
             </a:extLst>
           </p:cNvPr>
@@ -2715,7 +2715,7 @@
           <a:bodyPr/>
           <a:lstStyle/>
           <a:p>
-            <a:fld id="{39416A4D-47F4-45A7-8464-F521BEBF78E0}" type="slidenum">
+            <a:fld id="{143DC409-886B-4330-B4C4-D2F0C8C62FF1}" type="slidenum">
               <a:rPr lang="zh-CN" altLang="en-US" smtClean="0"/>
               <a:t>‹#›</a:t>
             </a:fld>
@@ -2726,7 +2726,7 @@
     </p:spTree>
     <p:extLst>
       <p:ext uri="{BB962C8B-B14F-4D97-AF65-F5344CB8AC3E}">
-        <p14:creationId xmlns:p14="http://schemas.microsoft.com/office/powerpoint/2010/main" val="2970663064"/>
+        <p14:creationId xmlns:p14="http://schemas.microsoft.com/office/powerpoint/2010/main" val="2942056483"/>
       </p:ext>
     </p:extLst>
   </p:cSld>
@@ -2763,7 +2763,7 @@
           <p:cNvPr id="2" name="标题占位符 1">
             <a:extLst>
               <a:ext uri="{FF2B5EF4-FFF2-40B4-BE49-F238E27FC236}">
-                <a16:creationId xmlns:a16="http://schemas.microsoft.com/office/drawing/2014/main" id="{D5960CF2-FE2B-E6D3-D10B-6AE9AF1AB9D8}"/>
+                <a16:creationId xmlns:a16="http://schemas.microsoft.com/office/drawing/2014/main" id="{4621255F-63C9-1FFA-8494-742CAED5C162}"/>
               </a:ext>
             </a:extLst>
           </p:cNvPr>
@@ -2801,7 +2801,7 @@
           <p:cNvPr id="3" name="文本占位符 2">
             <a:extLst>
               <a:ext uri="{FF2B5EF4-FFF2-40B4-BE49-F238E27FC236}">
-                <a16:creationId xmlns:a16="http://schemas.microsoft.com/office/drawing/2014/main" id="{9E1498B9-838F-11B0-4C38-5EBF540A6F62}"/>
+                <a16:creationId xmlns:a16="http://schemas.microsoft.com/office/drawing/2014/main" id="{59F5CF0D-DD35-2EB5-A276-467E698B0238}"/>
               </a:ext>
             </a:extLst>
           </p:cNvPr>
@@ -2868,7 +2868,7 @@
           <p:cNvPr id="4" name="日期占位符 3">
             <a:extLst>
               <a:ext uri="{FF2B5EF4-FFF2-40B4-BE49-F238E27FC236}">
-                <a16:creationId xmlns:a16="http://schemas.microsoft.com/office/drawing/2014/main" id="{FD5E978D-C388-B223-CE3B-D543FBC028BD}"/>
+                <a16:creationId xmlns:a16="http://schemas.microsoft.com/office/drawing/2014/main" id="{995CEC4D-7ADC-05FE-3825-800CE5B76007}"/>
               </a:ext>
             </a:extLst>
           </p:cNvPr>
@@ -2902,7 +2902,7 @@
             </a:lvl1pPr>
           </a:lstStyle>
           <a:p>
-            <a:fld id="{1093A830-5C40-4F96-8E8B-1FD071A8DBA8}" type="datetimeFigureOut">
+            <a:fld id="{66828F2F-E1F5-4D71-B088-966AC99AA345}" type="datetimeFigureOut">
               <a:rPr lang="zh-CN" altLang="en-US" smtClean="0"/>
               <a:t>2024/3/10</a:t>
             </a:fld>
@@ -2915,7 +2915,7 @@
           <p:cNvPr id="5" name="页脚占位符 4">
             <a:extLst>
               <a:ext uri="{FF2B5EF4-FFF2-40B4-BE49-F238E27FC236}">
-                <a16:creationId xmlns:a16="http://schemas.microsoft.com/office/drawing/2014/main" id="{9DCDD7B0-BF31-E1A7-7A8C-D5157B8EFCF3}"/>
+                <a16:creationId xmlns:a16="http://schemas.microsoft.com/office/drawing/2014/main" id="{71B90AB0-0DAD-E6DC-EBA5-8E48776DFCC1}"/>
               </a:ext>
             </a:extLst>
           </p:cNvPr>
@@ -2958,7 +2958,7 @@
           <p:cNvPr id="6" name="灯片编号占位符 5">
             <a:extLst>
               <a:ext uri="{FF2B5EF4-FFF2-40B4-BE49-F238E27FC236}">
-                <a16:creationId xmlns:a16="http://schemas.microsoft.com/office/drawing/2014/main" id="{6071F2ED-32A8-C271-9301-532FCA5CCE75}"/>
+                <a16:creationId xmlns:a16="http://schemas.microsoft.com/office/drawing/2014/main" id="{41DB4905-8CC4-76CF-C491-BC8C37593A13}"/>
               </a:ext>
             </a:extLst>
           </p:cNvPr>
@@ -2992,7 +2992,7 @@
             </a:lvl1pPr>
           </a:lstStyle>
           <a:p>
-            <a:fld id="{39416A4D-47F4-45A7-8464-F521BEBF78E0}" type="slidenum">
+            <a:fld id="{143DC409-886B-4330-B4C4-D2F0C8C62FF1}" type="slidenum">
               <a:rPr lang="zh-CN" altLang="en-US" smtClean="0"/>
               <a:t>‹#›</a:t>
             </a:fld>
@@ -3003,7 +3003,7 @@
     </p:spTree>
     <p:extLst>
       <p:ext uri="{BB962C8B-B14F-4D97-AF65-F5344CB8AC3E}">
-        <p14:creationId xmlns:p14="http://schemas.microsoft.com/office/powerpoint/2010/main" val="2903193555"/>
+        <p14:creationId xmlns:p14="http://schemas.microsoft.com/office/powerpoint/2010/main" val="4010784275"/>
       </p:ext>
     </p:extLst>
   </p:cSld>
